--- a/ReferenceDocuments/TestingLCDM.pptx
+++ b/ReferenceDocuments/TestingLCDM.pptx
@@ -114,7 +114,7 @@
   </p:defaultTextStyle>
   <p:extLst>
     <p:ext uri="{EFAFB233-063F-42B5-8137-9DF3F51BA10A}">
-      <p15:sldGuideLst xmlns="" xmlns:p15="http://schemas.microsoft.com/office/powerpoint/2012/main">
+      <p15:sldGuideLst xmlns:p15="http://schemas.microsoft.com/office/powerpoint/2012/main" xmlns="">
         <p15:guide id="1" orient="horz" pos="2160">
           <p15:clr>
             <a:srgbClr val="A4A3A4"/>
@@ -213,7 +213,7 @@
           <a:p>
             <a:fld id="{B0874C99-64E5-FD4D-AA16-DC62CA82E1F2}" type="datetimeFigureOut">
               <a:rPr lang="fr-FR" smtClean="0"/>
-              <a:t>1/16/19</a:t>
+              <a:t>2/16/19</a:t>
             </a:fld>
             <a:endParaRPr lang="fr-FR"/>
           </a:p>
@@ -379,7 +379,7 @@
           <a:p>
             <a:fld id="{3138E634-CCBD-2B48-8207-353C17BD2AA3}" type="datetimeFigureOut">
               <a:rPr lang="fr-FR" smtClean="0"/>
-              <a:t>1/16/19</a:t>
+              <a:t>2/16/19</a:t>
             </a:fld>
             <a:endParaRPr lang="fr-FR"/>
           </a:p>
@@ -826,7 +826,7 @@
           <a:p>
             <a:fld id="{F85459B6-EC99-9840-9967-9213848847EF}" type="datetime1">
               <a:rPr lang="fr-FR" smtClean="0"/>
-              <a:t>1/16/19</a:t>
+              <a:t>2/16/19</a:t>
             </a:fld>
             <a:endParaRPr lang="fr-FR"/>
           </a:p>
@@ -994,7 +994,7 @@
           <a:p>
             <a:fld id="{3597A801-8797-BF45-BA75-B20234256207}" type="datetime1">
               <a:rPr lang="fr-FR" smtClean="0"/>
-              <a:t>1/16/19</a:t>
+              <a:t>2/16/19</a:t>
             </a:fld>
             <a:endParaRPr lang="fr-FR"/>
           </a:p>
@@ -1172,7 +1172,7 @@
           <a:p>
             <a:fld id="{BC54C24E-E730-FC45-9542-51646E40F1BE}" type="datetime1">
               <a:rPr lang="fr-FR" smtClean="0"/>
-              <a:t>1/16/19</a:t>
+              <a:t>2/16/19</a:t>
             </a:fld>
             <a:endParaRPr lang="fr-FR"/>
           </a:p>
@@ -1340,7 +1340,7 @@
           <a:p>
             <a:fld id="{40CC6E6A-2193-2D44-829F-EB736EE337A6}" type="datetime1">
               <a:rPr lang="fr-FR" smtClean="0"/>
-              <a:t>1/16/19</a:t>
+              <a:t>2/16/19</a:t>
             </a:fld>
             <a:endParaRPr lang="fr-FR"/>
           </a:p>
@@ -1585,7 +1585,7 @@
           <a:p>
             <a:fld id="{201F84F2-3CC1-A64E-9330-322CF1BF76A6}" type="datetime1">
               <a:rPr lang="fr-FR" smtClean="0"/>
-              <a:t>1/16/19</a:t>
+              <a:t>2/16/19</a:t>
             </a:fld>
             <a:endParaRPr lang="fr-FR"/>
           </a:p>
@@ -1870,7 +1870,7 @@
           <a:p>
             <a:fld id="{6F831787-899C-1747-9AFF-9F5794AAE0ED}" type="datetime1">
               <a:rPr lang="fr-FR" smtClean="0"/>
-              <a:t>1/16/19</a:t>
+              <a:t>2/16/19</a:t>
             </a:fld>
             <a:endParaRPr lang="fr-FR"/>
           </a:p>
@@ -2289,7 +2289,7 @@
           <a:p>
             <a:fld id="{B8DF874A-D97E-B343-BE00-6D1578E40228}" type="datetime1">
               <a:rPr lang="fr-FR" smtClean="0"/>
-              <a:t>1/16/19</a:t>
+              <a:t>2/16/19</a:t>
             </a:fld>
             <a:endParaRPr lang="fr-FR"/>
           </a:p>
@@ -2406,7 +2406,7 @@
           <a:p>
             <a:fld id="{209B3E45-A740-DF42-A7F2-44FA1ADAC9A9}" type="datetime1">
               <a:rPr lang="fr-FR" smtClean="0"/>
-              <a:t>1/16/19</a:t>
+              <a:t>2/16/19</a:t>
             </a:fld>
             <a:endParaRPr lang="fr-FR"/>
           </a:p>
@@ -2501,7 +2501,7 @@
           <a:p>
             <a:fld id="{C24A4930-203E-3E4F-80D8-B742BBFBC87F}" type="datetime1">
               <a:rPr lang="fr-FR" smtClean="0"/>
-              <a:t>1/16/19</a:t>
+              <a:t>2/16/19</a:t>
             </a:fld>
             <a:endParaRPr lang="fr-FR"/>
           </a:p>
@@ -2776,7 +2776,7 @@
           <a:p>
             <a:fld id="{D60BE4F2-EBE6-C74A-8316-7934DC5FB4A9}" type="datetime1">
               <a:rPr lang="fr-FR" smtClean="0"/>
-              <a:t>1/16/19</a:t>
+              <a:t>2/16/19</a:t>
             </a:fld>
             <a:endParaRPr lang="fr-FR"/>
           </a:p>
@@ -3028,7 +3028,7 @@
           <a:p>
             <a:fld id="{255D4A71-EC14-9349-A618-6AA6BFF37AED}" type="datetime1">
               <a:rPr lang="fr-FR" smtClean="0"/>
-              <a:t>1/16/19</a:t>
+              <a:t>2/16/19</a:t>
             </a:fld>
             <a:endParaRPr lang="fr-FR"/>
           </a:p>
@@ -3239,7 +3239,7 @@
           <a:p>
             <a:fld id="{59653CD0-7B78-4944-BA49-45B78B167A87}" type="datetime1">
               <a:rPr lang="fr-FR" smtClean="0"/>
-              <a:t>1/16/19</a:t>
+              <a:t>2/16/19</a:t>
             </a:fld>
             <a:endParaRPr lang="fr-FR"/>
           </a:p>
@@ -3688,7 +3688,7 @@
           <p:cNvPr id="5" name="Titre 1">
             <a:extLst>
               <a:ext uri="{FF2B5EF4-FFF2-40B4-BE49-F238E27FC236}">
-                <a16:creationId xmlns="" xmlns:a16="http://schemas.microsoft.com/office/drawing/2014/main" id="{30DDACC2-17F4-D54D-AAE2-603793C1D57E}"/>
+                <a16:creationId xmlns:a16="http://schemas.microsoft.com/office/drawing/2014/main" xmlns="" id="{30DDACC2-17F4-D54D-AAE2-603793C1D57E}"/>
               </a:ext>
             </a:extLst>
           </p:cNvPr>
@@ -3758,7 +3758,7 @@
           <p:cNvPr id="4" name="Slide Number Placeholder 3">
             <a:extLst>
               <a:ext uri="{FF2B5EF4-FFF2-40B4-BE49-F238E27FC236}">
-                <a16:creationId xmlns="" xmlns:a16="http://schemas.microsoft.com/office/drawing/2014/main" id="{71F18F79-1285-3249-AC10-1B2239D1D368}"/>
+                <a16:creationId xmlns:a16="http://schemas.microsoft.com/office/drawing/2014/main" xmlns="" id="{71F18F79-1285-3249-AC10-1B2239D1D368}"/>
               </a:ext>
             </a:extLst>
           </p:cNvPr>
@@ -3787,7 +3787,7 @@
           <p:cNvPr id="6" name="Content Placeholder 5">
             <a:extLst>
               <a:ext uri="{FF2B5EF4-FFF2-40B4-BE49-F238E27FC236}">
-                <a16:creationId xmlns="" xmlns:a16="http://schemas.microsoft.com/office/drawing/2014/main" id="{ED4CDA9E-7F18-1E43-B1AA-5DE08891C41E}"/>
+                <a16:creationId xmlns:a16="http://schemas.microsoft.com/office/drawing/2014/main" xmlns="" id="{ED4CDA9E-7F18-1E43-B1AA-5DE08891C41E}"/>
               </a:ext>
             </a:extLst>
           </p:cNvPr>
@@ -3801,7 +3801,7 @@
         <p:spPr>
           <a:xfrm>
             <a:off x="457200" y="645706"/>
-            <a:ext cx="8229600" cy="5477797"/>
+            <a:ext cx="8229600" cy="5710644"/>
           </a:xfrm>
         </p:spPr>
         <p:txBody>
@@ -3933,7 +3933,6 @@
               <a:rPr lang="en-US" sz="2000" dirty="0" smtClean="0"/>
               <a:t> is discussed in more detail in Di Valentino et al.  (2018) JCAP Vol. 4 pg. 17</a:t>
             </a:r>
-            <a:endParaRPr lang="en-US" sz="2000" dirty="0" smtClean="0"/>
           </a:p>
           <a:p>
             <a:pPr marL="0" indent="0">
@@ -3955,15 +3954,7 @@
             </a:r>
             <a:r>
               <a:rPr lang="en-US" sz="2000" dirty="0" smtClean="0"/>
-              <a:t> </a:t>
-            </a:r>
-            <a:r>
-              <a:rPr lang="en-US" sz="2000" dirty="0" smtClean="0"/>
-              <a:t>(given in the next page) are </a:t>
-            </a:r>
-            <a:r>
-              <a:rPr lang="en-US" sz="2000" dirty="0" smtClean="0"/>
-              <a:t>normalized to the Planck value and has </a:t>
+              <a:t> (given in the next page) are normalized to the Planck value and has </a:t>
             </a:r>
             <a:r>
               <a:rPr lang="en-US" sz="2000" dirty="0"/>
@@ -4069,7 +4060,27 @@
             </a:r>
             <a:r>
               <a:rPr lang="en-US" sz="2000" dirty="0" smtClean="0"/>
-              <a:t> is running of the spectral index</a:t>
+              <a:t> is </a:t>
+            </a:r>
+            <a:r>
+              <a:rPr lang="en-US" sz="2000" dirty="0" smtClean="0"/>
+              <a:t>the amplitude of correlated CDM </a:t>
+            </a:r>
+            <a:r>
+              <a:rPr lang="en-US" sz="2000" dirty="0" err="1" smtClean="0"/>
+              <a:t>isocurvature</a:t>
+            </a:r>
+            <a:r>
+              <a:rPr lang="en-US" sz="2000" dirty="0" smtClean="0"/>
+              <a:t> perturbations (see equation 43 in </a:t>
+            </a:r>
+            <a:r>
+              <a:rPr lang="en-US" sz="2000" dirty="0" err="1" smtClean="0"/>
+              <a:t>astro-ph</a:t>
+            </a:r>
+            <a:r>
+              <a:rPr lang="en-US" sz="2000" dirty="0" smtClean="0"/>
+              <a:t>/1502.01589)</a:t>
             </a:r>
             <a:endParaRPr lang="en-US" sz="2000" dirty="0"/>
           </a:p>
@@ -4146,7 +4157,7 @@
           <p:cNvPr id="4" name="Slide Number Placeholder 3">
             <a:extLst>
               <a:ext uri="{FF2B5EF4-FFF2-40B4-BE49-F238E27FC236}">
-                <a16:creationId xmlns="" xmlns:a16="http://schemas.microsoft.com/office/drawing/2014/main" id="{71F18F79-1285-3249-AC10-1B2239D1D368}"/>
+                <a16:creationId xmlns:a16="http://schemas.microsoft.com/office/drawing/2014/main" xmlns="" id="{71F18F79-1285-3249-AC10-1B2239D1D368}"/>
               </a:ext>
             </a:extLst>
           </p:cNvPr>
@@ -4175,7 +4186,7 @@
           <p:cNvPr id="6" name="Content Placeholder 5">
             <a:extLst>
               <a:ext uri="{FF2B5EF4-FFF2-40B4-BE49-F238E27FC236}">
-                <a16:creationId xmlns="" xmlns:a16="http://schemas.microsoft.com/office/drawing/2014/main" id="{ED4CDA9E-7F18-1E43-B1AA-5DE08891C41E}"/>
+                <a16:creationId xmlns:a16="http://schemas.microsoft.com/office/drawing/2014/main" xmlns="" id="{ED4CDA9E-7F18-1E43-B1AA-5DE08891C41E}"/>
               </a:ext>
             </a:extLst>
           </p:cNvPr>

--- a/ReferenceDocuments/TestingLCDM.pptx
+++ b/ReferenceDocuments/TestingLCDM.pptx
@@ -5,15 +5,19 @@
     <p:sldMasterId id="2147483648" r:id="rId1"/>
   </p:sldMasterIdLst>
   <p:notesMasterIdLst>
-    <p:notesMasterId r:id="rId5"/>
+    <p:notesMasterId r:id="rId9"/>
   </p:notesMasterIdLst>
   <p:handoutMasterIdLst>
-    <p:handoutMasterId r:id="rId6"/>
+    <p:handoutMasterId r:id="rId10"/>
   </p:handoutMasterIdLst>
   <p:sldIdLst>
     <p:sldId id="330" r:id="rId2"/>
     <p:sldId id="329" r:id="rId3"/>
     <p:sldId id="331" r:id="rId4"/>
+    <p:sldId id="332" r:id="rId5"/>
+    <p:sldId id="333" r:id="rId6"/>
+    <p:sldId id="334" r:id="rId7"/>
+    <p:sldId id="335" r:id="rId8"/>
   </p:sldIdLst>
   <p:sldSz cx="9144000" cy="6858000" type="screen4x3"/>
   <p:notesSz cx="6858000" cy="9144000"/>
@@ -213,7 +217,7 @@
           <a:p>
             <a:fld id="{B0874C99-64E5-FD4D-AA16-DC62CA82E1F2}" type="datetimeFigureOut">
               <a:rPr lang="fr-FR" smtClean="0"/>
-              <a:t>2/16/19</a:t>
+              <a:t>2/27/19</a:t>
             </a:fld>
             <a:endParaRPr lang="fr-FR"/>
           </a:p>
@@ -379,7 +383,7 @@
           <a:p>
             <a:fld id="{3138E634-CCBD-2B48-8207-353C17BD2AA3}" type="datetimeFigureOut">
               <a:rPr lang="fr-FR" smtClean="0"/>
-              <a:t>2/16/19</a:t>
+              <a:t>2/27/19</a:t>
             </a:fld>
             <a:endParaRPr lang="fr-FR"/>
           </a:p>
@@ -826,7 +830,7 @@
           <a:p>
             <a:fld id="{F85459B6-EC99-9840-9967-9213848847EF}" type="datetime1">
               <a:rPr lang="fr-FR" smtClean="0"/>
-              <a:t>2/16/19</a:t>
+              <a:t>2/27/19</a:t>
             </a:fld>
             <a:endParaRPr lang="fr-FR"/>
           </a:p>
@@ -994,7 +998,7 @@
           <a:p>
             <a:fld id="{3597A801-8797-BF45-BA75-B20234256207}" type="datetime1">
               <a:rPr lang="fr-FR" smtClean="0"/>
-              <a:t>2/16/19</a:t>
+              <a:t>2/27/19</a:t>
             </a:fld>
             <a:endParaRPr lang="fr-FR"/>
           </a:p>
@@ -1172,7 +1176,7 @@
           <a:p>
             <a:fld id="{BC54C24E-E730-FC45-9542-51646E40F1BE}" type="datetime1">
               <a:rPr lang="fr-FR" smtClean="0"/>
-              <a:t>2/16/19</a:t>
+              <a:t>2/27/19</a:t>
             </a:fld>
             <a:endParaRPr lang="fr-FR"/>
           </a:p>
@@ -1340,7 +1344,7 @@
           <a:p>
             <a:fld id="{40CC6E6A-2193-2D44-829F-EB736EE337A6}" type="datetime1">
               <a:rPr lang="fr-FR" smtClean="0"/>
-              <a:t>2/16/19</a:t>
+              <a:t>2/27/19</a:t>
             </a:fld>
             <a:endParaRPr lang="fr-FR"/>
           </a:p>
@@ -1585,7 +1589,7 @@
           <a:p>
             <a:fld id="{201F84F2-3CC1-A64E-9330-322CF1BF76A6}" type="datetime1">
               <a:rPr lang="fr-FR" smtClean="0"/>
-              <a:t>2/16/19</a:t>
+              <a:t>2/27/19</a:t>
             </a:fld>
             <a:endParaRPr lang="fr-FR"/>
           </a:p>
@@ -1870,7 +1874,7 @@
           <a:p>
             <a:fld id="{6F831787-899C-1747-9AFF-9F5794AAE0ED}" type="datetime1">
               <a:rPr lang="fr-FR" smtClean="0"/>
-              <a:t>2/16/19</a:t>
+              <a:t>2/27/19</a:t>
             </a:fld>
             <a:endParaRPr lang="fr-FR"/>
           </a:p>
@@ -2289,7 +2293,7 @@
           <a:p>
             <a:fld id="{B8DF874A-D97E-B343-BE00-6D1578E40228}" type="datetime1">
               <a:rPr lang="fr-FR" smtClean="0"/>
-              <a:t>2/16/19</a:t>
+              <a:t>2/27/19</a:t>
             </a:fld>
             <a:endParaRPr lang="fr-FR"/>
           </a:p>
@@ -2406,7 +2410,7 @@
           <a:p>
             <a:fld id="{209B3E45-A740-DF42-A7F2-44FA1ADAC9A9}" type="datetime1">
               <a:rPr lang="fr-FR" smtClean="0"/>
-              <a:t>2/16/19</a:t>
+              <a:t>2/27/19</a:t>
             </a:fld>
             <a:endParaRPr lang="fr-FR"/>
           </a:p>
@@ -2501,7 +2505,7 @@
           <a:p>
             <a:fld id="{C24A4930-203E-3E4F-80D8-B742BBFBC87F}" type="datetime1">
               <a:rPr lang="fr-FR" smtClean="0"/>
-              <a:t>2/16/19</a:t>
+              <a:t>2/27/19</a:t>
             </a:fld>
             <a:endParaRPr lang="fr-FR"/>
           </a:p>
@@ -2776,7 +2780,7 @@
           <a:p>
             <a:fld id="{D60BE4F2-EBE6-C74A-8316-7934DC5FB4A9}" type="datetime1">
               <a:rPr lang="fr-FR" smtClean="0"/>
-              <a:t>2/16/19</a:t>
+              <a:t>2/27/19</a:t>
             </a:fld>
             <a:endParaRPr lang="fr-FR"/>
           </a:p>
@@ -3028,7 +3032,7 @@
           <a:p>
             <a:fld id="{255D4A71-EC14-9349-A618-6AA6BFF37AED}" type="datetime1">
               <a:rPr lang="fr-FR" smtClean="0"/>
-              <a:t>2/16/19</a:t>
+              <a:t>2/27/19</a:t>
             </a:fld>
             <a:endParaRPr lang="fr-FR"/>
           </a:p>
@@ -3239,7 +3243,7 @@
           <a:p>
             <a:fld id="{59653CD0-7B78-4944-BA49-45B78B167A87}" type="datetime1">
               <a:rPr lang="fr-FR" smtClean="0"/>
-              <a:t>2/16/19</a:t>
+              <a:t>2/27/19</a:t>
             </a:fld>
             <a:endParaRPr lang="fr-FR"/>
           </a:p>
@@ -3806,7 +3810,7 @@
         </p:spPr>
         <p:txBody>
           <a:bodyPr>
-            <a:normAutofit fontScale="92500" lnSpcReduction="10000"/>
+            <a:normAutofit fontScale="92500"/>
           </a:bodyPr>
           <a:lstStyle/>
           <a:p>
@@ -3831,7 +3835,7 @@
             </a:r>
             <a:r>
               <a:rPr lang="en-US" sz="2000" dirty="0" smtClean="0"/>
-              <a:t>Planck 2018, by considering </a:t>
+              <a:t>Planck 2018 (or previous experiments), by considering </a:t>
             </a:r>
             <a:r>
               <a:rPr lang="en-US" sz="2000" dirty="0"/>
@@ -3954,7 +3958,11 @@
             </a:r>
             <a:r>
               <a:rPr lang="en-US" sz="2000" dirty="0" smtClean="0"/>
-              <a:t> (given in the next page) are normalized to the Planck value and has </a:t>
+              <a:t> </a:t>
+            </a:r>
+            <a:r>
+              <a:rPr lang="en-US" sz="2000" dirty="0" smtClean="0"/>
+              <a:t>in the next pages have </a:t>
             </a:r>
             <a:r>
               <a:rPr lang="en-US" sz="2000" dirty="0"/>
@@ -4060,11 +4068,7 @@
             </a:r>
             <a:r>
               <a:rPr lang="en-US" sz="2000" dirty="0" smtClean="0"/>
-              <a:t> is </a:t>
-            </a:r>
-            <a:r>
-              <a:rPr lang="en-US" sz="2000" dirty="0" smtClean="0"/>
-              <a:t>the amplitude of correlated CDM </a:t>
+              <a:t> is the amplitude of correlated CDM </a:t>
             </a:r>
             <a:r>
               <a:rPr lang="en-US" sz="2000" dirty="0" err="1" smtClean="0"/>
@@ -4222,9 +4226,126 @@
           </a:p>
         </p:txBody>
       </p:sp>
+      <p:sp>
+        <p:nvSpPr>
+          <p:cNvPr id="8" name="TextBox 7"/>
+          <p:cNvSpPr txBox="1"/>
+          <p:nvPr/>
+        </p:nvSpPr>
+        <p:spPr>
+          <a:xfrm>
+            <a:off x="456101" y="3523774"/>
+            <a:ext cx="8367783" cy="2554545"/>
+          </a:xfrm>
+          <a:prstGeom prst="rect">
+            <a:avLst/>
+          </a:prstGeom>
+          <a:noFill/>
+        </p:spPr>
+        <p:txBody>
+          <a:bodyPr wrap="square" rtlCol="0">
+            <a:spAutoFit/>
+          </a:bodyPr>
+          <a:lstStyle/>
+          <a:p>
+            <a:pPr algn="ctr"/>
+            <a:r>
+              <a:rPr lang="en-US" sz="2000" dirty="0" smtClean="0"/>
+              <a:t>Here the FOMs for COBE, pre-WMAP, WMAP9 and Planck are obtained with the real data. COBE has one less parameter because tau is fixed.</a:t>
+            </a:r>
+          </a:p>
+          <a:p>
+            <a:pPr algn="ctr"/>
+            <a:endParaRPr lang="en-US" sz="2000" dirty="0" smtClean="0"/>
+          </a:p>
+          <a:p>
+            <a:pPr algn="ctr"/>
+            <a:r>
+              <a:rPr lang="en-US" sz="2000" dirty="0" smtClean="0"/>
+              <a:t>We als</a:t>
+            </a:r>
+            <a:r>
+              <a:rPr lang="en-US" sz="2000" dirty="0" smtClean="0"/>
+              <a:t>o calculated the cosmic variance limit </a:t>
+            </a:r>
+            <a:r>
+              <a:rPr lang="en-US" sz="2000" dirty="0"/>
+              <a:t>(</a:t>
+            </a:r>
+            <a:r>
+              <a:rPr lang="en-US" sz="2000" dirty="0" smtClean="0"/>
+              <a:t>CVL) for one set of parameters (see last column in Table).  The experimental configuration has </a:t>
+            </a:r>
+            <a:r>
+              <a:rPr lang="en-US" sz="2000" dirty="0" smtClean="0"/>
+              <a:t>a resolution that is twice </a:t>
+            </a:r>
+            <a:r>
+              <a:rPr lang="en-US" sz="2000" dirty="0" smtClean="0"/>
+              <a:t>PICO (representing a 2.8 m effective aperture) </a:t>
+            </a:r>
+            <a:r>
+              <a:rPr lang="en-US" sz="2000" dirty="0" smtClean="0"/>
+              <a:t>and the noise x9 lower per each </a:t>
+            </a:r>
+            <a:r>
+              <a:rPr lang="en-US" sz="2000" dirty="0" smtClean="0"/>
+              <a:t>frequency band compared to PICO, which should give </a:t>
+            </a:r>
+          </a:p>
+          <a:p>
+            <a:pPr algn="ctr"/>
+            <a:r>
+              <a:rPr lang="en-US" sz="2000" dirty="0" smtClean="0"/>
+              <a:t>0.1 </a:t>
+            </a:r>
+            <a:r>
+              <a:rPr lang="en-US" sz="2000" dirty="0" err="1" smtClean="0"/>
+              <a:t>uK</a:t>
+            </a:r>
+            <a:r>
+              <a:rPr lang="en-US" sz="2000" dirty="0" smtClean="0"/>
+              <a:t>*</a:t>
+            </a:r>
+            <a:r>
+              <a:rPr lang="en-US" sz="2000" dirty="0" err="1" smtClean="0"/>
+              <a:t>arcmin</a:t>
+            </a:r>
+            <a:r>
+              <a:rPr lang="en-US" sz="2000" dirty="0" smtClean="0"/>
+              <a:t> across the sky, </a:t>
+            </a:r>
+            <a:r>
+              <a:rPr lang="en-US" sz="2000" dirty="0" err="1" smtClean="0"/>
+              <a:t>fsky</a:t>
+            </a:r>
+            <a:r>
+              <a:rPr lang="en-US" sz="2000" dirty="0" smtClean="0"/>
+              <a:t>=</a:t>
+            </a:r>
+            <a:r>
+              <a:rPr lang="en-US" sz="2000" dirty="0" smtClean="0"/>
+              <a:t>0.75, </a:t>
+            </a:r>
+            <a:r>
+              <a:rPr lang="en-US" sz="2000" dirty="0" smtClean="0"/>
+              <a:t>and </a:t>
+            </a:r>
+            <a:r>
+              <a:rPr lang="en-US" sz="2000" dirty="0" err="1" smtClean="0"/>
+              <a:t>lmax</a:t>
+            </a:r>
+            <a:r>
+              <a:rPr lang="en-US" sz="2000" dirty="0" smtClean="0"/>
+              <a:t>=10000.</a:t>
+            </a:r>
+            <a:endParaRPr lang="en-US" sz="2000" dirty="0"/>
+          </a:p>
+        </p:txBody>
+      </p:sp>
       <p:pic>
         <p:nvPicPr>
-          <p:cNvPr id="7" name="Picture 6"/>
+          <p:cNvPr id="9" name="Picture 8"/>
           <p:cNvPicPr>
             <a:picLocks noChangeAspect="1"/>
           </p:cNvPicPr>
@@ -4238,8 +4359,8 @@
         </p:blipFill>
         <p:spPr>
           <a:xfrm>
-            <a:off x="229419" y="2489143"/>
-            <a:ext cx="8686800" cy="1233628"/>
+            <a:off x="0" y="1029973"/>
+            <a:ext cx="9144000" cy="2366391"/>
           </a:xfrm>
           <a:prstGeom prst="rect">
             <a:avLst/>
@@ -4250,6 +4371,798 @@
     <p:extLst>
       <p:ext uri="{BB962C8B-B14F-4D97-AF65-F5344CB8AC3E}">
         <p14:creationId xmlns:p14="http://schemas.microsoft.com/office/powerpoint/2010/main" val="3894854141"/>
+      </p:ext>
+    </p:extLst>
+  </p:cSld>
+  <p:clrMapOvr>
+    <a:masterClrMapping/>
+  </p:clrMapOvr>
+</p:sld>
+</file>
+
+<file path=ppt/slides/slide4.xml><?xml version="1.0" encoding="utf-8"?>
+<p:sld xmlns:a="http://schemas.openxmlformats.org/drawingml/2006/main" xmlns:r="http://schemas.openxmlformats.org/officeDocument/2006/relationships" xmlns:p="http://schemas.openxmlformats.org/presentationml/2006/main">
+  <p:cSld>
+    <p:spTree>
+      <p:nvGrpSpPr>
+        <p:cNvPr id="1" name=""/>
+        <p:cNvGrpSpPr/>
+        <p:nvPr/>
+      </p:nvGrpSpPr>
+      <p:grpSpPr>
+        <a:xfrm>
+          <a:off x="0" y="0"/>
+          <a:ext cx="0" cy="0"/>
+          <a:chOff x="0" y="0"/>
+          <a:chExt cx="0" cy="0"/>
+        </a:xfrm>
+      </p:grpSpPr>
+      <p:sp>
+        <p:nvSpPr>
+          <p:cNvPr id="4" name="Slide Number Placeholder 3"/>
+          <p:cNvSpPr>
+            <a:spLocks noGrp="1"/>
+          </p:cNvSpPr>
+          <p:nvPr>
+            <p:ph type="sldNum" sz="quarter" idx="12"/>
+          </p:nvPr>
+        </p:nvSpPr>
+        <p:spPr/>
+        <p:txBody>
+          <a:bodyPr/>
+          <a:lstStyle/>
+          <a:p>
+            <a:fld id="{1CB55425-2489-A846-B14E-B3FD83C2F823}" type="slidenum">
+              <a:rPr lang="fr-FR" smtClean="0"/>
+              <a:t>4</a:t>
+            </a:fld>
+            <a:endParaRPr lang="fr-FR"/>
+          </a:p>
+        </p:txBody>
+      </p:sp>
+      <p:pic>
+        <p:nvPicPr>
+          <p:cNvPr id="12" name="Picture 11"/>
+          <p:cNvPicPr>
+            <a:picLocks noChangeAspect="1"/>
+          </p:cNvPicPr>
+          <p:nvPr/>
+        </p:nvPicPr>
+        <p:blipFill>
+          <a:blip r:embed="rId2"/>
+          <a:stretch>
+            <a:fillRect/>
+          </a:stretch>
+        </p:blipFill>
+        <p:spPr>
+          <a:xfrm>
+            <a:off x="453978" y="0"/>
+            <a:ext cx="7846828" cy="6858000"/>
+          </a:xfrm>
+          <a:prstGeom prst="rect">
+            <a:avLst/>
+          </a:prstGeom>
+        </p:spPr>
+      </p:pic>
+    </p:spTree>
+    <p:extLst>
+      <p:ext uri="{BB962C8B-B14F-4D97-AF65-F5344CB8AC3E}">
+        <p14:creationId xmlns:p14="http://schemas.microsoft.com/office/powerpoint/2010/main" val="3910496623"/>
+      </p:ext>
+    </p:extLst>
+  </p:cSld>
+  <p:clrMapOvr>
+    <a:masterClrMapping/>
+  </p:clrMapOvr>
+</p:sld>
+</file>
+
+<file path=ppt/slides/slide5.xml><?xml version="1.0" encoding="utf-8"?>
+<p:sld xmlns:a="http://schemas.openxmlformats.org/drawingml/2006/main" xmlns:r="http://schemas.openxmlformats.org/officeDocument/2006/relationships" xmlns:p="http://schemas.openxmlformats.org/presentationml/2006/main">
+  <p:cSld>
+    <p:spTree>
+      <p:nvGrpSpPr>
+        <p:cNvPr id="1" name=""/>
+        <p:cNvGrpSpPr/>
+        <p:nvPr/>
+      </p:nvGrpSpPr>
+      <p:grpSpPr>
+        <a:xfrm>
+          <a:off x="0" y="0"/>
+          <a:ext cx="0" cy="0"/>
+          <a:chOff x="0" y="0"/>
+          <a:chExt cx="0" cy="0"/>
+        </a:xfrm>
+      </p:grpSpPr>
+      <p:sp>
+        <p:nvSpPr>
+          <p:cNvPr id="4" name="Slide Number Placeholder 3">
+            <a:extLst>
+              <a:ext uri="{FF2B5EF4-FFF2-40B4-BE49-F238E27FC236}">
+                <a16:creationId xmlns:a16="http://schemas.microsoft.com/office/drawing/2014/main" xmlns="" id="{71F18F79-1285-3249-AC10-1B2239D1D368}"/>
+              </a:ext>
+            </a:extLst>
+          </p:cNvPr>
+          <p:cNvSpPr>
+            <a:spLocks noGrp="1"/>
+          </p:cNvSpPr>
+          <p:nvPr>
+            <p:ph type="sldNum" sz="quarter" idx="12"/>
+          </p:nvPr>
+        </p:nvSpPr>
+        <p:spPr/>
+        <p:txBody>
+          <a:bodyPr/>
+          <a:lstStyle/>
+          <a:p>
+            <a:fld id="{1CB55425-2489-A846-B14E-B3FD83C2F823}" type="slidenum">
+              <a:rPr lang="fr-FR" smtClean="0"/>
+              <a:t>5</a:t>
+            </a:fld>
+            <a:endParaRPr lang="fr-FR"/>
+          </a:p>
+        </p:txBody>
+      </p:sp>
+      <p:sp>
+        <p:nvSpPr>
+          <p:cNvPr id="6" name="Content Placeholder 5">
+            <a:extLst>
+              <a:ext uri="{FF2B5EF4-FFF2-40B4-BE49-F238E27FC236}">
+                <a16:creationId xmlns:a16="http://schemas.microsoft.com/office/drawing/2014/main" xmlns="" id="{ED4CDA9E-7F18-1E43-B1AA-5DE08891C41E}"/>
+              </a:ext>
+            </a:extLst>
+          </p:cNvPr>
+          <p:cNvSpPr>
+            <a:spLocks noGrp="1"/>
+          </p:cNvSpPr>
+          <p:nvPr>
+            <p:ph idx="1"/>
+          </p:nvPr>
+        </p:nvSpPr>
+        <p:spPr>
+          <a:xfrm>
+            <a:off x="457200" y="645706"/>
+            <a:ext cx="8229600" cy="5017691"/>
+          </a:xfrm>
+        </p:spPr>
+        <p:txBody>
+          <a:bodyPr>
+            <a:normAutofit/>
+          </a:bodyPr>
+          <a:lstStyle/>
+          <a:p>
+            <a:pPr marL="0" indent="0">
+              <a:buNone/>
+            </a:pPr>
+            <a:endParaRPr lang="en-US" sz="2000" dirty="0" smtClean="0"/>
+          </a:p>
+          <a:p>
+            <a:pPr marL="0" indent="0">
+              <a:buNone/>
+            </a:pPr>
+            <a:endParaRPr lang="fr-FR" sz="2000" dirty="0"/>
+          </a:p>
+        </p:txBody>
+      </p:sp>
+      <p:grpSp>
+        <p:nvGrpSpPr>
+          <p:cNvPr id="5" name="Group 4"/>
+          <p:cNvGrpSpPr/>
+          <p:nvPr/>
+        </p:nvGrpSpPr>
+        <p:grpSpPr>
+          <a:xfrm>
+            <a:off x="0" y="826905"/>
+            <a:ext cx="9144000" cy="3273887"/>
+            <a:chOff x="0" y="826905"/>
+            <a:chExt cx="9144000" cy="3273887"/>
+          </a:xfrm>
+        </p:grpSpPr>
+        <p:pic>
+          <p:nvPicPr>
+            <p:cNvPr id="2" name="Picture 1"/>
+            <p:cNvPicPr>
+              <a:picLocks noChangeAspect="1"/>
+            </p:cNvPicPr>
+            <p:nvPr/>
+          </p:nvPicPr>
+          <p:blipFill>
+            <a:blip r:embed="rId2"/>
+            <a:stretch>
+              <a:fillRect/>
+            </a:stretch>
+          </p:blipFill>
+          <p:spPr>
+            <a:xfrm>
+              <a:off x="0" y="2569849"/>
+              <a:ext cx="9144000" cy="1530943"/>
+            </a:xfrm>
+            <a:prstGeom prst="rect">
+              <a:avLst/>
+            </a:prstGeom>
+          </p:spPr>
+        </p:pic>
+        <p:sp>
+          <p:nvSpPr>
+            <p:cNvPr id="3" name="TextBox 2"/>
+            <p:cNvSpPr txBox="1"/>
+            <p:nvPr/>
+          </p:nvSpPr>
+          <p:spPr>
+            <a:xfrm>
+              <a:off x="378781" y="826905"/>
+              <a:ext cx="8367783" cy="1323439"/>
+            </a:xfrm>
+            <a:prstGeom prst="rect">
+              <a:avLst/>
+            </a:prstGeom>
+            <a:noFill/>
+          </p:spPr>
+          <p:txBody>
+            <a:bodyPr wrap="square" rtlCol="0">
+              <a:spAutoFit/>
+            </a:bodyPr>
+            <a:lstStyle/>
+            <a:p>
+              <a:pPr algn="ctr"/>
+              <a:r>
+                <a:rPr lang="en-US" sz="2000" dirty="0" smtClean="0"/>
+                <a:t>We also ran a comparison between PICO and Planck. In the Table below values ar</a:t>
+              </a:r>
+              <a:r>
+                <a:rPr lang="en-US" sz="2000" dirty="0" smtClean="0"/>
+                <a:t>e normalized to Planck 2018. Instead of using the Planck data, mission performance is </a:t>
+              </a:r>
+              <a:r>
+                <a:rPr lang="en-US" sz="2000" dirty="0" smtClean="0"/>
+                <a:t>simulated </a:t>
+              </a:r>
+              <a:r>
+                <a:rPr lang="en-US" sz="2000" dirty="0" smtClean="0"/>
+                <a:t>because the </a:t>
+              </a:r>
+              <a:r>
+                <a:rPr lang="en-US" sz="2000" dirty="0" smtClean="0"/>
+                <a:t>Planck2018 likelihood </a:t>
+              </a:r>
+              <a:r>
+                <a:rPr lang="en-US" sz="2000" dirty="0" smtClean="0"/>
+                <a:t>is not available for running extra extensions of the LCDM model.</a:t>
+              </a:r>
+              <a:endParaRPr lang="en-US" sz="2000" dirty="0"/>
+            </a:p>
+          </p:txBody>
+        </p:sp>
+      </p:grpSp>
+    </p:spTree>
+    <p:extLst>
+      <p:ext uri="{BB962C8B-B14F-4D97-AF65-F5344CB8AC3E}">
+        <p14:creationId xmlns:p14="http://schemas.microsoft.com/office/powerpoint/2010/main" val="2148844511"/>
+      </p:ext>
+    </p:extLst>
+  </p:cSld>
+  <p:clrMapOvr>
+    <a:masterClrMapping/>
+  </p:clrMapOvr>
+</p:sld>
+</file>
+
+<file path=ppt/slides/slide6.xml><?xml version="1.0" encoding="utf-8"?>
+<p:sld xmlns:a="http://schemas.openxmlformats.org/drawingml/2006/main" xmlns:r="http://schemas.openxmlformats.org/officeDocument/2006/relationships" xmlns:p="http://schemas.openxmlformats.org/presentationml/2006/main">
+  <p:cSld>
+    <p:spTree>
+      <p:nvGrpSpPr>
+        <p:cNvPr id="1" name=""/>
+        <p:cNvGrpSpPr/>
+        <p:nvPr/>
+      </p:nvGrpSpPr>
+      <p:grpSpPr>
+        <a:xfrm>
+          <a:off x="0" y="0"/>
+          <a:ext cx="0" cy="0"/>
+          <a:chOff x="0" y="0"/>
+          <a:chExt cx="0" cy="0"/>
+        </a:xfrm>
+      </p:grpSpPr>
+      <p:sp>
+        <p:nvSpPr>
+          <p:cNvPr id="4" name="Slide Number Placeholder 3">
+            <a:extLst>
+              <a:ext uri="{FF2B5EF4-FFF2-40B4-BE49-F238E27FC236}">
+                <a16:creationId xmlns:a16="http://schemas.microsoft.com/office/drawing/2014/main" xmlns="" id="{71F18F79-1285-3249-AC10-1B2239D1D368}"/>
+              </a:ext>
+            </a:extLst>
+          </p:cNvPr>
+          <p:cNvSpPr>
+            <a:spLocks noGrp="1"/>
+          </p:cNvSpPr>
+          <p:nvPr>
+            <p:ph type="sldNum" sz="quarter" idx="12"/>
+          </p:nvPr>
+        </p:nvSpPr>
+        <p:spPr/>
+        <p:txBody>
+          <a:bodyPr/>
+          <a:lstStyle/>
+          <a:p>
+            <a:fld id="{1CB55425-2489-A846-B14E-B3FD83C2F823}" type="slidenum">
+              <a:rPr lang="fr-FR" smtClean="0"/>
+              <a:t>6</a:t>
+            </a:fld>
+            <a:endParaRPr lang="fr-FR"/>
+          </a:p>
+        </p:txBody>
+      </p:sp>
+      <p:sp>
+        <p:nvSpPr>
+          <p:cNvPr id="6" name="Content Placeholder 5">
+            <a:extLst>
+              <a:ext uri="{FF2B5EF4-FFF2-40B4-BE49-F238E27FC236}">
+                <a16:creationId xmlns:a16="http://schemas.microsoft.com/office/drawing/2014/main" xmlns="" id="{ED4CDA9E-7F18-1E43-B1AA-5DE08891C41E}"/>
+              </a:ext>
+            </a:extLst>
+          </p:cNvPr>
+          <p:cNvSpPr>
+            <a:spLocks noGrp="1"/>
+          </p:cNvSpPr>
+          <p:nvPr>
+            <p:ph idx="1"/>
+          </p:nvPr>
+        </p:nvSpPr>
+        <p:spPr>
+          <a:xfrm>
+            <a:off x="457200" y="645706"/>
+            <a:ext cx="8229600" cy="5710644"/>
+          </a:xfrm>
+        </p:spPr>
+        <p:txBody>
+          <a:bodyPr>
+            <a:normAutofit/>
+          </a:bodyPr>
+          <a:lstStyle/>
+          <a:p>
+            <a:pPr marL="0" indent="0">
+              <a:buNone/>
+            </a:pPr>
+            <a:endParaRPr lang="en-US" sz="2000" dirty="0" smtClean="0"/>
+          </a:p>
+          <a:p>
+            <a:pPr marL="0" indent="0">
+              <a:buNone/>
+            </a:pPr>
+            <a:endParaRPr lang="fr-FR" sz="2000" dirty="0"/>
+          </a:p>
+        </p:txBody>
+      </p:sp>
+      <p:sp>
+        <p:nvSpPr>
+          <p:cNvPr id="3" name="TextBox 2"/>
+          <p:cNvSpPr txBox="1"/>
+          <p:nvPr/>
+        </p:nvSpPr>
+        <p:spPr>
+          <a:xfrm>
+            <a:off x="3288936" y="1419413"/>
+            <a:ext cx="2658049" cy="707886"/>
+          </a:xfrm>
+          <a:prstGeom prst="rect">
+            <a:avLst/>
+          </a:prstGeom>
+          <a:noFill/>
+        </p:spPr>
+        <p:txBody>
+          <a:bodyPr wrap="none" rtlCol="0">
+            <a:spAutoFit/>
+          </a:bodyPr>
+          <a:lstStyle/>
+          <a:p>
+            <a:r>
+              <a:rPr lang="en-US" sz="4000" dirty="0" smtClean="0"/>
+              <a:t>Older Slides</a:t>
+            </a:r>
+            <a:endParaRPr lang="en-US" sz="4000" dirty="0"/>
+          </a:p>
+        </p:txBody>
+      </p:sp>
+    </p:spTree>
+    <p:extLst>
+      <p:ext uri="{BB962C8B-B14F-4D97-AF65-F5344CB8AC3E}">
+        <p14:creationId xmlns:p14="http://schemas.microsoft.com/office/powerpoint/2010/main" val="650555849"/>
+      </p:ext>
+    </p:extLst>
+  </p:cSld>
+  <p:clrMapOvr>
+    <a:masterClrMapping/>
+  </p:clrMapOvr>
+</p:sld>
+</file>
+
+<file path=ppt/slides/slide7.xml><?xml version="1.0" encoding="utf-8"?>
+<p:sld xmlns:a="http://schemas.openxmlformats.org/drawingml/2006/main" xmlns:r="http://schemas.openxmlformats.org/officeDocument/2006/relationships" xmlns:p="http://schemas.openxmlformats.org/presentationml/2006/main">
+  <p:cSld>
+    <p:spTree>
+      <p:nvGrpSpPr>
+        <p:cNvPr id="1" name=""/>
+        <p:cNvGrpSpPr/>
+        <p:nvPr/>
+      </p:nvGrpSpPr>
+      <p:grpSpPr>
+        <a:xfrm>
+          <a:off x="0" y="0"/>
+          <a:ext cx="0" cy="0"/>
+          <a:chOff x="0" y="0"/>
+          <a:chExt cx="0" cy="0"/>
+        </a:xfrm>
+      </p:grpSpPr>
+      <p:sp>
+        <p:nvSpPr>
+          <p:cNvPr id="4" name="Slide Number Placeholder 3">
+            <a:extLst>
+              <a:ext uri="{FF2B5EF4-FFF2-40B4-BE49-F238E27FC236}">
+                <a16:creationId xmlns:a16="http://schemas.microsoft.com/office/drawing/2014/main" xmlns="" id="{71F18F79-1285-3249-AC10-1B2239D1D368}"/>
+              </a:ext>
+            </a:extLst>
+          </p:cNvPr>
+          <p:cNvSpPr>
+            <a:spLocks noGrp="1"/>
+          </p:cNvSpPr>
+          <p:nvPr>
+            <p:ph type="sldNum" sz="quarter" idx="12"/>
+          </p:nvPr>
+        </p:nvSpPr>
+        <p:spPr/>
+        <p:txBody>
+          <a:bodyPr/>
+          <a:lstStyle/>
+          <a:p>
+            <a:fld id="{1CB55425-2489-A846-B14E-B3FD83C2F823}" type="slidenum">
+              <a:rPr lang="fr-FR" smtClean="0"/>
+              <a:t>7</a:t>
+            </a:fld>
+            <a:endParaRPr lang="fr-FR"/>
+          </a:p>
+        </p:txBody>
+      </p:sp>
+      <p:sp>
+        <p:nvSpPr>
+          <p:cNvPr id="6" name="Content Placeholder 5">
+            <a:extLst>
+              <a:ext uri="{FF2B5EF4-FFF2-40B4-BE49-F238E27FC236}">
+                <a16:creationId xmlns:a16="http://schemas.microsoft.com/office/drawing/2014/main" xmlns="" id="{ED4CDA9E-7F18-1E43-B1AA-5DE08891C41E}"/>
+              </a:ext>
+            </a:extLst>
+          </p:cNvPr>
+          <p:cNvSpPr>
+            <a:spLocks noGrp="1"/>
+          </p:cNvSpPr>
+          <p:nvPr>
+            <p:ph idx="1"/>
+          </p:nvPr>
+        </p:nvSpPr>
+        <p:spPr>
+          <a:xfrm>
+            <a:off x="457200" y="645706"/>
+            <a:ext cx="8229600" cy="5710644"/>
+          </a:xfrm>
+        </p:spPr>
+        <p:txBody>
+          <a:bodyPr>
+            <a:normAutofit fontScale="92500" lnSpcReduction="10000"/>
+          </a:bodyPr>
+          <a:lstStyle/>
+          <a:p>
+            <a:pPr marL="0" indent="0">
+              <a:buNone/>
+            </a:pPr>
+            <a:r>
+              <a:rPr lang="en-US" sz="2000" dirty="0" smtClean="0"/>
+              <a:t>We can quantify </a:t>
+            </a:r>
+            <a:r>
+              <a:rPr lang="en-US" sz="2000" dirty="0"/>
+              <a:t>the improvement </a:t>
+            </a:r>
+            <a:r>
+              <a:rPr lang="en-US" sz="2000" dirty="0" smtClean="0"/>
+              <a:t>on constraining the cosmological parameters of PICO with </a:t>
+            </a:r>
+            <a:r>
+              <a:rPr lang="en-US" sz="2000" dirty="0"/>
+              <a:t>respect to </a:t>
+            </a:r>
+            <a:r>
+              <a:rPr lang="en-US" sz="2000" dirty="0" smtClean="0"/>
+              <a:t>Planck 2018 (or previous experiments), by considering </a:t>
+            </a:r>
+            <a:r>
+              <a:rPr lang="en-US" sz="2000" dirty="0"/>
+              <a:t>the </a:t>
+            </a:r>
+            <a:r>
+              <a:rPr lang="en-US" sz="2000" dirty="0" smtClean="0"/>
+              <a:t>ratio of the Figure </a:t>
+            </a:r>
+            <a:r>
+              <a:rPr lang="en-US" sz="2000" dirty="0"/>
+              <a:t>of Merit </a:t>
+            </a:r>
+            <a:r>
+              <a:rPr lang="en-US" sz="2000" dirty="0" smtClean="0"/>
+              <a:t>(</a:t>
+            </a:r>
+            <a:r>
+              <a:rPr lang="en-US" sz="2000" dirty="0" err="1" smtClean="0"/>
+              <a:t>FoM</a:t>
+            </a:r>
+            <a:r>
+              <a:rPr lang="en-US" sz="2000" dirty="0" smtClean="0"/>
+              <a:t>) for an extended parameter space:</a:t>
+            </a:r>
+          </a:p>
+          <a:p>
+            <a:endParaRPr lang="en-US" sz="2000" dirty="0"/>
+          </a:p>
+          <a:p>
+            <a:endParaRPr lang="en-US" sz="2000" dirty="0" smtClean="0"/>
+          </a:p>
+          <a:p>
+            <a:pPr marL="0" indent="0">
+              <a:buNone/>
+            </a:pPr>
+            <a:r>
+              <a:rPr lang="en-US" sz="2000" dirty="0"/>
+              <a:t>w</a:t>
+            </a:r>
+            <a:r>
+              <a:rPr lang="en-US" sz="2000" dirty="0" smtClean="0"/>
+              <a:t>here </a:t>
+            </a:r>
+            <a:r>
+              <a:rPr lang="en-US" sz="2000" dirty="0"/>
+              <a:t>p</a:t>
+            </a:r>
+            <a:r>
+              <a:rPr lang="en-US" sz="2000" baseline="-25000" dirty="0"/>
+              <a:t>i</a:t>
+            </a:r>
+            <a:r>
+              <a:rPr lang="en-US" sz="2000" dirty="0"/>
+              <a:t> </a:t>
+            </a:r>
+            <a:r>
+              <a:rPr lang="en-US" sz="2000" dirty="0" smtClean="0"/>
+              <a:t>are </a:t>
+            </a:r>
+            <a:r>
+              <a:rPr lang="en-GB" sz="2000" dirty="0" smtClean="0"/>
+              <a:t>the </a:t>
+            </a:r>
+            <a:r>
+              <a:rPr lang="en-US" sz="2000" dirty="0" smtClean="0"/>
+              <a:t>extra </a:t>
+            </a:r>
+            <a:r>
+              <a:rPr lang="en-US" sz="2000" dirty="0"/>
+              <a:t>parameters </a:t>
+            </a:r>
+            <a:r>
+              <a:rPr lang="en-US" sz="2000" dirty="0" smtClean="0"/>
+              <a:t>we considered</a:t>
+            </a:r>
+            <a:r>
+              <a:rPr lang="en-GB" sz="2000" dirty="0" smtClean="0"/>
+              <a:t>.</a:t>
+            </a:r>
+            <a:endParaRPr lang="en-US" sz="2000" dirty="0" smtClean="0"/>
+          </a:p>
+          <a:p>
+            <a:pPr marL="0" indent="0">
+              <a:buNone/>
+            </a:pPr>
+            <a:endParaRPr lang="en-US" sz="2000" dirty="0" smtClean="0"/>
+          </a:p>
+          <a:p>
+            <a:r>
+              <a:rPr lang="en-US" sz="2000" dirty="0" smtClean="0"/>
+              <a:t>The </a:t>
+            </a:r>
+            <a:r>
+              <a:rPr lang="en-US" sz="2000" dirty="0" err="1" smtClean="0"/>
+              <a:t>FoM</a:t>
+            </a:r>
+            <a:r>
+              <a:rPr lang="en-US" sz="2000" dirty="0" smtClean="0"/>
+              <a:t> is discussed in more detail in Di Valentino et al.  (2018) JCAP Vol. 4 pg. 17</a:t>
+            </a:r>
+          </a:p>
+          <a:p>
+            <a:pPr marL="0" indent="0">
+              <a:buNone/>
+            </a:pPr>
+            <a:endParaRPr lang="en-US" sz="2000" dirty="0" smtClean="0"/>
+          </a:p>
+          <a:p>
+            <a:pPr marL="0" indent="0">
+              <a:buNone/>
+            </a:pPr>
+            <a:r>
+              <a:rPr lang="en-US" sz="2000" dirty="0" smtClean="0"/>
+              <a:t>The </a:t>
+            </a:r>
+            <a:r>
+              <a:rPr lang="en-US" sz="2000" dirty="0" err="1" smtClean="0"/>
+              <a:t>FoMs</a:t>
+            </a:r>
+            <a:r>
+              <a:rPr lang="en-US" sz="2000" dirty="0" smtClean="0"/>
+              <a:t> (given in the next pages) are normalized to the Planck value and has </a:t>
+            </a:r>
+            <a:r>
+              <a:rPr lang="en-US" sz="2000" dirty="0"/>
+              <a:t>been obtained with:</a:t>
+            </a:r>
+          </a:p>
+          <a:p>
+            <a:r>
+              <a:rPr lang="en-US" sz="2000" dirty="0" smtClean="0"/>
+              <a:t>TT</a:t>
+            </a:r>
+            <a:r>
+              <a:rPr lang="en-US" sz="2000" dirty="0"/>
+              <a:t>,TE,EE,BB</a:t>
+            </a:r>
+          </a:p>
+          <a:p>
+            <a:r>
+              <a:rPr lang="en-US" sz="2000" dirty="0" err="1" smtClean="0"/>
+              <a:t>fiducial</a:t>
+            </a:r>
+            <a:r>
+              <a:rPr lang="en-US" sz="2000" dirty="0" smtClean="0"/>
+              <a:t> </a:t>
+            </a:r>
+            <a:r>
+              <a:rPr lang="en-US" sz="2000" dirty="0"/>
+              <a:t>m</a:t>
+            </a:r>
+            <a:r>
+              <a:rPr lang="el-GR" sz="2000" baseline="-25000" dirty="0"/>
+              <a:t>ν</a:t>
+            </a:r>
+            <a:r>
+              <a:rPr lang="en-US" sz="2000" dirty="0" smtClean="0"/>
+              <a:t>=0.06 </a:t>
+            </a:r>
+            <a:r>
+              <a:rPr lang="en-US" sz="2000" dirty="0" err="1" smtClean="0"/>
+              <a:t>eV</a:t>
+            </a:r>
+            <a:r>
+              <a:rPr lang="en-US" sz="2000" dirty="0"/>
+              <a:t>,</a:t>
+            </a:r>
+            <a:r>
+              <a:rPr lang="en-US" sz="2000" dirty="0" smtClean="0"/>
+              <a:t> </a:t>
+            </a:r>
+            <a:r>
+              <a:rPr lang="en-US" sz="2000" dirty="0"/>
+              <a:t>r=0 and cosmological parameters fixed to Planck 2018</a:t>
+            </a:r>
+          </a:p>
+          <a:p>
+            <a:r>
+              <a:rPr lang="en-US" sz="2000" dirty="0" smtClean="0"/>
+              <a:t>multichannel </a:t>
+            </a:r>
+            <a:r>
+              <a:rPr lang="en-US" sz="2000" dirty="0"/>
+              <a:t>approach using the 70-220 GHz specs for v4.1 and v4.0.</a:t>
+            </a:r>
+          </a:p>
+          <a:p>
+            <a:r>
+              <a:rPr lang="en-US" sz="2000" dirty="0" smtClean="0"/>
+              <a:t>delensing </a:t>
+            </a:r>
+            <a:r>
+              <a:rPr lang="en-US" sz="2000" dirty="0"/>
+              <a:t>85% </a:t>
+            </a:r>
+            <a:r>
+              <a:rPr lang="en-US" sz="2000" dirty="0" smtClean="0"/>
+              <a:t>for PICO v4.0 and </a:t>
+            </a:r>
+            <a:r>
+              <a:rPr lang="en-US" sz="2000" dirty="0"/>
+              <a:t>81% </a:t>
+            </a:r>
+            <a:r>
+              <a:rPr lang="en-US" sz="2000" dirty="0" smtClean="0"/>
+              <a:t>for PICO v4.1, </a:t>
+            </a:r>
+            <a:r>
+              <a:rPr lang="en-US" sz="2000" dirty="0"/>
+              <a:t>no delensing for Planck</a:t>
+            </a:r>
+            <a:r>
+              <a:rPr lang="en-US" sz="2000" dirty="0" smtClean="0"/>
+              <a:t>.</a:t>
+            </a:r>
+          </a:p>
+          <a:p>
+            <a:r>
+              <a:rPr lang="en-US" sz="2000" dirty="0" smtClean="0"/>
+              <a:t>α</a:t>
+            </a:r>
+            <a:r>
+              <a:rPr lang="en-US" sz="2000" baseline="-25000" dirty="0" smtClean="0"/>
+              <a:t>1</a:t>
+            </a:r>
+            <a:r>
+              <a:rPr lang="en-US" sz="2000" dirty="0" smtClean="0"/>
+              <a:t> is the amplitude of correlated CDM </a:t>
+            </a:r>
+            <a:r>
+              <a:rPr lang="en-US" sz="2000" dirty="0" err="1" smtClean="0"/>
+              <a:t>isocurvature</a:t>
+            </a:r>
+            <a:r>
+              <a:rPr lang="en-US" sz="2000" dirty="0" smtClean="0"/>
+              <a:t> perturbations (see equation 43 in </a:t>
+            </a:r>
+            <a:r>
+              <a:rPr lang="en-US" sz="2000" dirty="0" err="1" smtClean="0"/>
+              <a:t>astro-ph</a:t>
+            </a:r>
+            <a:r>
+              <a:rPr lang="en-US" sz="2000" dirty="0" smtClean="0"/>
+              <a:t>/1502.01589)</a:t>
+            </a:r>
+            <a:endParaRPr lang="en-US" sz="2000" dirty="0"/>
+          </a:p>
+          <a:p>
+            <a:pPr marL="0" indent="0">
+              <a:buNone/>
+            </a:pPr>
+            <a:endParaRPr lang="en-US" sz="2000" dirty="0" smtClean="0"/>
+          </a:p>
+          <a:p>
+            <a:pPr marL="0" indent="0">
+              <a:buNone/>
+            </a:pPr>
+            <a:endParaRPr lang="fr-FR" sz="2000" dirty="0"/>
+          </a:p>
+        </p:txBody>
+      </p:sp>
+      <p:pic>
+        <p:nvPicPr>
+          <p:cNvPr id="2" name="Picture 1"/>
+          <p:cNvPicPr>
+            <a:picLocks noChangeAspect="1"/>
+          </p:cNvPicPr>
+          <p:nvPr/>
+        </p:nvPicPr>
+        <p:blipFill>
+          <a:blip r:embed="rId2"/>
+          <a:stretch>
+            <a:fillRect/>
+          </a:stretch>
+        </p:blipFill>
+        <p:spPr>
+          <a:xfrm>
+            <a:off x="1668169" y="1557075"/>
+            <a:ext cx="5790171" cy="561405"/>
+          </a:xfrm>
+          <a:prstGeom prst="rect">
+            <a:avLst/>
+          </a:prstGeom>
+        </p:spPr>
+      </p:pic>
+    </p:spTree>
+    <p:extLst>
+      <p:ext uri="{BB962C8B-B14F-4D97-AF65-F5344CB8AC3E}">
+        <p14:creationId xmlns:p14="http://schemas.microsoft.com/office/powerpoint/2010/main" val="2123335581"/>
       </p:ext>
     </p:extLst>
   </p:cSld>
